--- a/18_Azure_sql.pptx
+++ b/18_Azure_sql.pptx
@@ -5,7 +5,7 @@
     <p:sldMasterId id="2147483649" r:id="rId1"/>
   </p:sldMasterIdLst>
   <p:notesMasterIdLst>
-    <p:notesMasterId r:id="rId29"/>
+    <p:notesMasterId r:id="rId36"/>
   </p:notesMasterIdLst>
   <p:sldIdLst>
     <p:sldId id="346" r:id="rId2"/>
@@ -35,6 +35,13 @@
     <p:sldId id="348" r:id="rId26"/>
     <p:sldId id="364" r:id="rId27"/>
     <p:sldId id="365" r:id="rId28"/>
+    <p:sldId id="430" r:id="rId29"/>
+    <p:sldId id="431" r:id="rId30"/>
+    <p:sldId id="433" r:id="rId31"/>
+    <p:sldId id="439" r:id="rId32"/>
+    <p:sldId id="436" r:id="rId33"/>
+    <p:sldId id="440" r:id="rId34"/>
+    <p:sldId id="437" r:id="rId35"/>
   </p:sldIdLst>
   <p:sldSz cx="9144000" cy="6858000" type="screen4x3"/>
   <p:notesSz cx="6858000" cy="9144000"/>
@@ -944,6 +951,265 @@
 </p:notes>
 </file>
 
+<file path=ppt/notesSlides/notesSlide10.xml><?xml version="1.0" encoding="utf-8"?>
+<p:notes xmlns:a="http://schemas.openxmlformats.org/drawingml/2006/main" xmlns:r="http://schemas.openxmlformats.org/officeDocument/2006/relationships" xmlns:p="http://schemas.openxmlformats.org/presentationml/2006/main">
+  <p:cSld>
+    <p:spTree>
+      <p:nvGrpSpPr>
+        <p:cNvPr id="1" name=""/>
+        <p:cNvGrpSpPr/>
+        <p:nvPr/>
+      </p:nvGrpSpPr>
+      <p:grpSpPr>
+        <a:xfrm>
+          <a:off x="0" y="0"/>
+          <a:ext cx="0" cy="0"/>
+          <a:chOff x="0" y="0"/>
+          <a:chExt cx="0" cy="0"/>
+        </a:xfrm>
+      </p:grpSpPr>
+      <p:sp>
+        <p:nvSpPr>
+          <p:cNvPr id="2" name="Slide Image Placeholder 1"/>
+          <p:cNvSpPr>
+            <a:spLocks noGrp="1" noRot="1" noChangeAspect="1"/>
+          </p:cNvSpPr>
+          <p:nvPr>
+            <p:ph type="sldImg"/>
+          </p:nvPr>
+        </p:nvSpPr>
+        <p:spPr/>
+      </p:sp>
+      <p:sp>
+        <p:nvSpPr>
+          <p:cNvPr id="3" name="Notes Placeholder 2"/>
+          <p:cNvSpPr>
+            <a:spLocks noGrp="1"/>
+          </p:cNvSpPr>
+          <p:nvPr>
+            <p:ph type="body" idx="1"/>
+          </p:nvPr>
+        </p:nvSpPr>
+        <p:spPr/>
+        <p:txBody>
+          <a:bodyPr/>
+          <a:lstStyle/>
+          <a:p>
+            <a:r>
+              <a:rPr lang="en-IN" dirty="0"/>
+              <a:t>"</a:t>
+            </a:r>
+            <a:endParaRPr lang="en-US" dirty="0"/>
+          </a:p>
+        </p:txBody>
+      </p:sp>
+      <p:sp>
+        <p:nvSpPr>
+          <p:cNvPr id="4" name="Slide Number Placeholder 3"/>
+          <p:cNvSpPr>
+            <a:spLocks noGrp="1"/>
+          </p:cNvSpPr>
+          <p:nvPr>
+            <p:ph type="sldNum" sz="quarter" idx="5"/>
+          </p:nvPr>
+        </p:nvSpPr>
+        <p:spPr/>
+        <p:txBody>
+          <a:bodyPr/>
+          <a:lstStyle/>
+          <a:p>
+            <a:fld id="{798EC9C9-27F2-834F-ADEB-508D93780CE3}" type="slidenum">
+              <a:rPr lang="en-US" altLang="en-US" smtClean="0"/>
+              <a:pPr/>
+              <a:t>29</a:t>
+            </a:fld>
+            <a:endParaRPr lang="en-US" altLang="en-US"/>
+          </a:p>
+        </p:txBody>
+      </p:sp>
+    </p:spTree>
+    <p:extLst>
+      <p:ext uri="{BB962C8B-B14F-4D97-AF65-F5344CB8AC3E}">
+        <p14:creationId xmlns:p14="http://schemas.microsoft.com/office/powerpoint/2010/main" val="1428499422"/>
+      </p:ext>
+    </p:extLst>
+  </p:cSld>
+  <p:clrMapOvr>
+    <a:masterClrMapping/>
+  </p:clrMapOvr>
+</p:notes>
+</file>
+
+<file path=ppt/notesSlides/notesSlide11.xml><?xml version="1.0" encoding="utf-8"?>
+<p:notes xmlns:a="http://schemas.openxmlformats.org/drawingml/2006/main" xmlns:r="http://schemas.openxmlformats.org/officeDocument/2006/relationships" xmlns:p="http://schemas.openxmlformats.org/presentationml/2006/main">
+  <p:cSld>
+    <p:spTree>
+      <p:nvGrpSpPr>
+        <p:cNvPr id="1" name=""/>
+        <p:cNvGrpSpPr/>
+        <p:nvPr/>
+      </p:nvGrpSpPr>
+      <p:grpSpPr>
+        <a:xfrm>
+          <a:off x="0" y="0"/>
+          <a:ext cx="0" cy="0"/>
+          <a:chOff x="0" y="0"/>
+          <a:chExt cx="0" cy="0"/>
+        </a:xfrm>
+      </p:grpSpPr>
+      <p:sp>
+        <p:nvSpPr>
+          <p:cNvPr id="2" name="Slide Image Placeholder 1"/>
+          <p:cNvSpPr>
+            <a:spLocks noGrp="1" noRot="1" noChangeAspect="1"/>
+          </p:cNvSpPr>
+          <p:nvPr>
+            <p:ph type="sldImg"/>
+          </p:nvPr>
+        </p:nvSpPr>
+        <p:spPr/>
+      </p:sp>
+      <p:sp>
+        <p:nvSpPr>
+          <p:cNvPr id="3" name="Notes Placeholder 2"/>
+          <p:cNvSpPr>
+            <a:spLocks noGrp="1"/>
+          </p:cNvSpPr>
+          <p:nvPr>
+            <p:ph type="body" idx="1"/>
+          </p:nvPr>
+        </p:nvSpPr>
+        <p:spPr/>
+        <p:txBody>
+          <a:bodyPr/>
+          <a:lstStyle/>
+          <a:p>
+            <a:endParaRPr lang="en-US" dirty="0"/>
+          </a:p>
+        </p:txBody>
+      </p:sp>
+      <p:sp>
+        <p:nvSpPr>
+          <p:cNvPr id="4" name="Slide Number Placeholder 3"/>
+          <p:cNvSpPr>
+            <a:spLocks noGrp="1"/>
+          </p:cNvSpPr>
+          <p:nvPr>
+            <p:ph type="sldNum" sz="quarter" idx="5"/>
+          </p:nvPr>
+        </p:nvSpPr>
+        <p:spPr/>
+        <p:txBody>
+          <a:bodyPr/>
+          <a:lstStyle/>
+          <a:p>
+            <a:fld id="{798EC9C9-27F2-834F-ADEB-508D93780CE3}" type="slidenum">
+              <a:rPr lang="en-US" altLang="en-US" smtClean="0"/>
+              <a:pPr/>
+              <a:t>30</a:t>
+            </a:fld>
+            <a:endParaRPr lang="en-US" altLang="en-US"/>
+          </a:p>
+        </p:txBody>
+      </p:sp>
+    </p:spTree>
+    <p:extLst>
+      <p:ext uri="{BB962C8B-B14F-4D97-AF65-F5344CB8AC3E}">
+        <p14:creationId xmlns:p14="http://schemas.microsoft.com/office/powerpoint/2010/main" val="4088520144"/>
+      </p:ext>
+    </p:extLst>
+  </p:cSld>
+  <p:clrMapOvr>
+    <a:masterClrMapping/>
+  </p:clrMapOvr>
+</p:notes>
+</file>
+
+<file path=ppt/notesSlides/notesSlide12.xml><?xml version="1.0" encoding="utf-8"?>
+<p:notes xmlns:a="http://schemas.openxmlformats.org/drawingml/2006/main" xmlns:r="http://schemas.openxmlformats.org/officeDocument/2006/relationships" xmlns:p="http://schemas.openxmlformats.org/presentationml/2006/main">
+  <p:cSld>
+    <p:spTree>
+      <p:nvGrpSpPr>
+        <p:cNvPr id="1" name=""/>
+        <p:cNvGrpSpPr/>
+        <p:nvPr/>
+      </p:nvGrpSpPr>
+      <p:grpSpPr>
+        <a:xfrm>
+          <a:off x="0" y="0"/>
+          <a:ext cx="0" cy="0"/>
+          <a:chOff x="0" y="0"/>
+          <a:chExt cx="0" cy="0"/>
+        </a:xfrm>
+      </p:grpSpPr>
+      <p:sp>
+        <p:nvSpPr>
+          <p:cNvPr id="2" name="Slide Image Placeholder 1"/>
+          <p:cNvSpPr>
+            <a:spLocks noGrp="1" noRot="1" noChangeAspect="1"/>
+          </p:cNvSpPr>
+          <p:nvPr>
+            <p:ph type="sldImg"/>
+          </p:nvPr>
+        </p:nvSpPr>
+        <p:spPr/>
+      </p:sp>
+      <p:sp>
+        <p:nvSpPr>
+          <p:cNvPr id="3" name="Notes Placeholder 2"/>
+          <p:cNvSpPr>
+            <a:spLocks noGrp="1"/>
+          </p:cNvSpPr>
+          <p:nvPr>
+            <p:ph type="body" idx="1"/>
+          </p:nvPr>
+        </p:nvSpPr>
+        <p:spPr/>
+        <p:txBody>
+          <a:bodyPr/>
+          <a:lstStyle/>
+          <a:p>
+            <a:endParaRPr lang="en-US" dirty="0"/>
+          </a:p>
+        </p:txBody>
+      </p:sp>
+      <p:sp>
+        <p:nvSpPr>
+          <p:cNvPr id="4" name="Slide Number Placeholder 3"/>
+          <p:cNvSpPr>
+            <a:spLocks noGrp="1"/>
+          </p:cNvSpPr>
+          <p:nvPr>
+            <p:ph type="sldNum" sz="quarter" idx="5"/>
+          </p:nvPr>
+        </p:nvSpPr>
+        <p:spPr/>
+        <p:txBody>
+          <a:bodyPr/>
+          <a:lstStyle/>
+          <a:p>
+            <a:fld id="{798EC9C9-27F2-834F-ADEB-508D93780CE3}" type="slidenum">
+              <a:rPr lang="en-US" altLang="en-US" smtClean="0"/>
+              <a:pPr/>
+              <a:t>32</a:t>
+            </a:fld>
+            <a:endParaRPr lang="en-US" altLang="en-US"/>
+          </a:p>
+        </p:txBody>
+      </p:sp>
+    </p:spTree>
+    <p:extLst>
+      <p:ext uri="{BB962C8B-B14F-4D97-AF65-F5344CB8AC3E}">
+        <p14:creationId xmlns:p14="http://schemas.microsoft.com/office/powerpoint/2010/main" val="1016116982"/>
+      </p:ext>
+    </p:extLst>
+  </p:cSld>
+  <p:clrMapOvr>
+    <a:masterClrMapping/>
+  </p:clrMapOvr>
+</p:notes>
+</file>
+
 <file path=ppt/notesSlides/notesSlide2.xml><?xml version="1.0" encoding="utf-8"?>
 <p:notes xmlns:a="http://schemas.openxmlformats.org/drawingml/2006/main" xmlns:r="http://schemas.openxmlformats.org/officeDocument/2006/relationships" xmlns:p="http://schemas.openxmlformats.org/presentationml/2006/main">
   <p:cSld>
@@ -1536,6 +1802,91 @@
     <p:extLst>
       <p:ext uri="{BB962C8B-B14F-4D97-AF65-F5344CB8AC3E}">
         <p14:creationId xmlns:p14="http://schemas.microsoft.com/office/powerpoint/2010/main" val="2997481037"/>
+      </p:ext>
+    </p:extLst>
+  </p:cSld>
+  <p:clrMapOvr>
+    <a:masterClrMapping/>
+  </p:clrMapOvr>
+</p:notes>
+</file>
+
+<file path=ppt/notesSlides/notesSlide9.xml><?xml version="1.0" encoding="utf-8"?>
+<p:notes xmlns:a="http://schemas.openxmlformats.org/drawingml/2006/main" xmlns:r="http://schemas.openxmlformats.org/officeDocument/2006/relationships" xmlns:p="http://schemas.openxmlformats.org/presentationml/2006/main">
+  <p:cSld>
+    <p:spTree>
+      <p:nvGrpSpPr>
+        <p:cNvPr id="1" name=""/>
+        <p:cNvGrpSpPr/>
+        <p:nvPr/>
+      </p:nvGrpSpPr>
+      <p:grpSpPr>
+        <a:xfrm>
+          <a:off x="0" y="0"/>
+          <a:ext cx="0" cy="0"/>
+          <a:chOff x="0" y="0"/>
+          <a:chExt cx="0" cy="0"/>
+        </a:xfrm>
+      </p:grpSpPr>
+      <p:sp>
+        <p:nvSpPr>
+          <p:cNvPr id="2" name="Slide Image Placeholder 1"/>
+          <p:cNvSpPr>
+            <a:spLocks noGrp="1" noRot="1" noChangeAspect="1"/>
+          </p:cNvSpPr>
+          <p:nvPr>
+            <p:ph type="sldImg"/>
+          </p:nvPr>
+        </p:nvSpPr>
+        <p:spPr/>
+      </p:sp>
+      <p:sp>
+        <p:nvSpPr>
+          <p:cNvPr id="3" name="Notes Placeholder 2"/>
+          <p:cNvSpPr>
+            <a:spLocks noGrp="1"/>
+          </p:cNvSpPr>
+          <p:nvPr>
+            <p:ph type="body" idx="1"/>
+          </p:nvPr>
+        </p:nvSpPr>
+        <p:spPr/>
+        <p:txBody>
+          <a:bodyPr/>
+          <a:lstStyle/>
+          <a:p>
+            <a:endParaRPr lang="en-US" dirty="0"/>
+          </a:p>
+        </p:txBody>
+      </p:sp>
+      <p:sp>
+        <p:nvSpPr>
+          <p:cNvPr id="4" name="Slide Number Placeholder 3"/>
+          <p:cNvSpPr>
+            <a:spLocks noGrp="1"/>
+          </p:cNvSpPr>
+          <p:nvPr>
+            <p:ph type="sldNum" sz="quarter" idx="5"/>
+          </p:nvPr>
+        </p:nvSpPr>
+        <p:spPr/>
+        <p:txBody>
+          <a:bodyPr/>
+          <a:lstStyle/>
+          <a:p>
+            <a:fld id="{798EC9C9-27F2-834F-ADEB-508D93780CE3}" type="slidenum">
+              <a:rPr lang="en-US" altLang="en-US" smtClean="0"/>
+              <a:pPr/>
+              <a:t>28</a:t>
+            </a:fld>
+            <a:endParaRPr lang="en-US" altLang="en-US"/>
+          </a:p>
+        </p:txBody>
+      </p:sp>
+    </p:spTree>
+    <p:extLst>
+      <p:ext uri="{BB962C8B-B14F-4D97-AF65-F5344CB8AC3E}">
+        <p14:creationId xmlns:p14="http://schemas.microsoft.com/office/powerpoint/2010/main" val="2439952356"/>
       </p:ext>
     </p:extLst>
   </p:cSld>
@@ -8368,6 +8719,316 @@
 </p:sld>
 </file>
 
+<file path=ppt/slides/slide28.xml><?xml version="1.0" encoding="utf-8"?>
+<p:sld xmlns:a="http://schemas.openxmlformats.org/drawingml/2006/main" xmlns:r="http://schemas.openxmlformats.org/officeDocument/2006/relationships" xmlns:p="http://schemas.openxmlformats.org/presentationml/2006/main">
+  <p:cSld>
+    <p:spTree>
+      <p:nvGrpSpPr>
+        <p:cNvPr id="1" name=""/>
+        <p:cNvGrpSpPr/>
+        <p:nvPr/>
+      </p:nvGrpSpPr>
+      <p:grpSpPr>
+        <a:xfrm>
+          <a:off x="0" y="0"/>
+          <a:ext cx="0" cy="0"/>
+          <a:chOff x="0" y="0"/>
+          <a:chExt cx="0" cy="0"/>
+        </a:xfrm>
+      </p:grpSpPr>
+      <p:sp>
+        <p:nvSpPr>
+          <p:cNvPr id="2" name="Title 1">
+            <a:extLst>
+              <a:ext uri="{FF2B5EF4-FFF2-40B4-BE49-F238E27FC236}">
+                <a16:creationId xmlns:a16="http://schemas.microsoft.com/office/drawing/2014/main" id="{21A41957-8B81-2038-A041-3207FAFB1099}"/>
+              </a:ext>
+            </a:extLst>
+          </p:cNvPr>
+          <p:cNvSpPr>
+            <a:spLocks noGrp="1"/>
+          </p:cNvSpPr>
+          <p:nvPr>
+            <p:ph type="title"/>
+          </p:nvPr>
+        </p:nvSpPr>
+        <p:spPr>
+          <a:xfrm>
+            <a:off x="457200" y="304800"/>
+            <a:ext cx="8229600" cy="427037"/>
+          </a:xfrm>
+        </p:spPr>
+        <p:txBody>
+          <a:bodyPr/>
+          <a:lstStyle/>
+          <a:p>
+            <a:r>
+              <a:rPr lang="en-US" dirty="0"/>
+              <a:t>Cosmos DB</a:t>
+            </a:r>
+          </a:p>
+        </p:txBody>
+      </p:sp>
+      <p:sp>
+        <p:nvSpPr>
+          <p:cNvPr id="3" name="Content Placeholder 2">
+            <a:extLst>
+              <a:ext uri="{FF2B5EF4-FFF2-40B4-BE49-F238E27FC236}">
+                <a16:creationId xmlns:a16="http://schemas.microsoft.com/office/drawing/2014/main" id="{D83B5891-3670-92D8-23E0-1C43984E02B6}"/>
+              </a:ext>
+            </a:extLst>
+          </p:cNvPr>
+          <p:cNvSpPr>
+            <a:spLocks noGrp="1"/>
+          </p:cNvSpPr>
+          <p:nvPr>
+            <p:ph idx="1"/>
+          </p:nvPr>
+        </p:nvSpPr>
+        <p:spPr>
+          <a:xfrm>
+            <a:off x="457200" y="731838"/>
+            <a:ext cx="8229600" cy="5394326"/>
+          </a:xfrm>
+        </p:spPr>
+        <p:txBody>
+          <a:bodyPr/>
+          <a:lstStyle/>
+          <a:p>
+            <a:r>
+              <a:rPr lang="en-IN" sz="2000" dirty="0"/>
+              <a:t>Fully managed, globally distributed, multi-model NoSQL database service</a:t>
+            </a:r>
+          </a:p>
+          <a:p>
+            <a:pPr lvl="1"/>
+            <a:r>
+              <a:rPr lang="en-IN" sz="2000" dirty="0"/>
+              <a:t>High performance, low latency </a:t>
+            </a:r>
+          </a:p>
+          <a:p>
+            <a:pPr lvl="1"/>
+            <a:r>
+              <a:rPr lang="en-IN" sz="2000" dirty="0"/>
+              <a:t>It is used in Azure for modern, mission-critical applications</a:t>
+            </a:r>
+          </a:p>
+          <a:p>
+            <a:r>
+              <a:rPr lang="en-IN" sz="2000" b="1" dirty="0"/>
+              <a:t>Global Distribution:</a:t>
+            </a:r>
+            <a:r>
+              <a:rPr lang="en-IN" sz="2000" dirty="0"/>
+              <a:t> </a:t>
+            </a:r>
+          </a:p>
+          <a:p>
+            <a:pPr lvl="1"/>
+            <a:r>
+              <a:rPr lang="en-IN" sz="2000" dirty="0"/>
+              <a:t>Data can be instantly replicated across any number of Azure regions worldwide, ensuring low-latency access for global users.</a:t>
+            </a:r>
+          </a:p>
+          <a:p>
+            <a:r>
+              <a:rPr lang="en-IN" sz="2000" b="1" dirty="0"/>
+              <a:t>Multi-Model and API Support:</a:t>
+            </a:r>
+            <a:r>
+              <a:rPr lang="en-IN" sz="2000" dirty="0"/>
+              <a:t> </a:t>
+            </a:r>
+          </a:p>
+          <a:p>
+            <a:pPr lvl="1"/>
+            <a:r>
+              <a:rPr lang="en-IN" sz="2000" dirty="0"/>
+              <a:t>It supports various data models (document, key-value, graph, columnar) and multiple APIs, including SQL (Core), MongoDB, Cassandra, Gremlin, and Table API.</a:t>
+            </a:r>
+          </a:p>
+          <a:p>
+            <a:r>
+              <a:rPr lang="en-IN" sz="2000" b="1" dirty="0"/>
+              <a:t>AI and Real-time Capabilities:</a:t>
+            </a:r>
+            <a:r>
+              <a:rPr lang="en-IN" sz="2000" dirty="0"/>
+              <a:t> </a:t>
+            </a:r>
+          </a:p>
+          <a:p>
+            <a:pPr lvl="1"/>
+            <a:r>
+              <a:rPr lang="en-IN" sz="2000" dirty="0"/>
+              <a:t>Features built-in vector search for AI applications and integrates with Azure Synapse Analytics for real-time analytics without ETL (Extract, Transform, Load). </a:t>
+            </a:r>
+            <a:br>
+              <a:rPr lang="en-IN" sz="2000" dirty="0"/>
+            </a:br>
+            <a:endParaRPr lang="en-IN" sz="2000" dirty="0"/>
+          </a:p>
+          <a:p>
+            <a:endParaRPr lang="en-US" sz="1800" dirty="0"/>
+          </a:p>
+          <a:p>
+            <a:endParaRPr lang="en-US" sz="1800" dirty="0"/>
+          </a:p>
+        </p:txBody>
+      </p:sp>
+    </p:spTree>
+    <p:extLst>
+      <p:ext uri="{BB962C8B-B14F-4D97-AF65-F5344CB8AC3E}">
+        <p14:creationId xmlns:p14="http://schemas.microsoft.com/office/powerpoint/2010/main" val="845840903"/>
+      </p:ext>
+    </p:extLst>
+  </p:cSld>
+  <p:clrMapOvr>
+    <a:masterClrMapping/>
+  </p:clrMapOvr>
+</p:sld>
+</file>
+
+<file path=ppt/slides/slide29.xml><?xml version="1.0" encoding="utf-8"?>
+<p:sld xmlns:a="http://schemas.openxmlformats.org/drawingml/2006/main" xmlns:r="http://schemas.openxmlformats.org/officeDocument/2006/relationships" xmlns:p="http://schemas.openxmlformats.org/presentationml/2006/main">
+  <p:cSld>
+    <p:spTree>
+      <p:nvGrpSpPr>
+        <p:cNvPr id="1" name=""/>
+        <p:cNvGrpSpPr/>
+        <p:nvPr/>
+      </p:nvGrpSpPr>
+      <p:grpSpPr>
+        <a:xfrm>
+          <a:off x="0" y="0"/>
+          <a:ext cx="0" cy="0"/>
+          <a:chOff x="0" y="0"/>
+          <a:chExt cx="0" cy="0"/>
+        </a:xfrm>
+      </p:grpSpPr>
+      <p:sp>
+        <p:nvSpPr>
+          <p:cNvPr id="2" name="Title 1">
+            <a:extLst>
+              <a:ext uri="{FF2B5EF4-FFF2-40B4-BE49-F238E27FC236}">
+                <a16:creationId xmlns:a16="http://schemas.microsoft.com/office/drawing/2014/main" id="{615CEE22-4017-28EE-6E5B-71D9B7B77FCF}"/>
+              </a:ext>
+            </a:extLst>
+          </p:cNvPr>
+          <p:cNvSpPr>
+            <a:spLocks noGrp="1"/>
+          </p:cNvSpPr>
+          <p:nvPr>
+            <p:ph type="title"/>
+          </p:nvPr>
+        </p:nvSpPr>
+        <p:spPr/>
+        <p:txBody>
+          <a:bodyPr/>
+          <a:lstStyle/>
+          <a:p>
+            <a:r>
+              <a:rPr lang="en-US" dirty="0"/>
+              <a:t>Cosmos DB</a:t>
+            </a:r>
+          </a:p>
+        </p:txBody>
+      </p:sp>
+      <p:sp>
+        <p:nvSpPr>
+          <p:cNvPr id="3" name="Content Placeholder 2">
+            <a:extLst>
+              <a:ext uri="{FF2B5EF4-FFF2-40B4-BE49-F238E27FC236}">
+                <a16:creationId xmlns:a16="http://schemas.microsoft.com/office/drawing/2014/main" id="{3ADE9B86-0A07-5459-7C97-33DBF18432D4}"/>
+              </a:ext>
+            </a:extLst>
+          </p:cNvPr>
+          <p:cNvSpPr>
+            <a:spLocks noGrp="1"/>
+          </p:cNvSpPr>
+          <p:nvPr>
+            <p:ph idx="1"/>
+          </p:nvPr>
+        </p:nvSpPr>
+        <p:spPr/>
+        <p:txBody>
+          <a:bodyPr/>
+          <a:lstStyle/>
+          <a:p>
+            <a:r>
+              <a:rPr lang="en-IN" sz="1800" dirty="0"/>
+              <a:t>It supports multiple data models </a:t>
+            </a:r>
+          </a:p>
+          <a:p>
+            <a:pPr lvl="1"/>
+            <a:r>
+              <a:rPr lang="en-IN" sz="1800" dirty="0"/>
+              <a:t>key-value, documents, graphs and columnar</a:t>
+            </a:r>
+          </a:p>
+          <a:p>
+            <a:endParaRPr lang="en-IN" sz="1800" dirty="0"/>
+          </a:p>
+          <a:p>
+            <a:r>
+              <a:rPr lang="en-IN" sz="1800" dirty="0"/>
+              <a:t>Azure Cosmos DB APIs for data access </a:t>
+            </a:r>
+          </a:p>
+          <a:p>
+            <a:pPr lvl="1"/>
+            <a:r>
+              <a:rPr lang="en-IN" sz="1800" dirty="0"/>
+              <a:t>API for MongoDB, API for NoSQL, API for Gremlin, and API for Table</a:t>
+            </a:r>
+          </a:p>
+          <a:p>
+            <a:endParaRPr lang="en-IN" sz="1800" dirty="0"/>
+          </a:p>
+          <a:p>
+            <a:r>
+              <a:rPr lang="en-IN" sz="1800" dirty="0"/>
+              <a:t>OpenAI relies on Cosmos DB to dynamically scale their ChatGPT service </a:t>
+            </a:r>
+          </a:p>
+          <a:p>
+            <a:endParaRPr lang="en-IN" sz="1800" dirty="0"/>
+          </a:p>
+          <a:p>
+            <a:r>
+              <a:rPr lang="en-IN" sz="1800" dirty="0"/>
+              <a:t>Azure Cosmos DB takes database administration with automatic management, updates, and patching. </a:t>
+            </a:r>
+          </a:p>
+          <a:p>
+            <a:endParaRPr lang="en-IN" sz="1800" dirty="0"/>
+          </a:p>
+          <a:p>
+            <a:r>
+              <a:rPr lang="en-IN" sz="1800" dirty="0"/>
+              <a:t>It also handles capacity management with cost-effective serverless and automatic scaling options that respond to application needs to match capacity with demand.</a:t>
+            </a:r>
+          </a:p>
+          <a:p>
+            <a:endParaRPr lang="en-IN" sz="1800" dirty="0"/>
+          </a:p>
+        </p:txBody>
+      </p:sp>
+    </p:spTree>
+    <p:extLst>
+      <p:ext uri="{BB962C8B-B14F-4D97-AF65-F5344CB8AC3E}">
+        <p14:creationId xmlns:p14="http://schemas.microsoft.com/office/powerpoint/2010/main" val="2468666080"/>
+      </p:ext>
+    </p:extLst>
+  </p:cSld>
+  <p:clrMapOvr>
+    <a:masterClrMapping/>
+  </p:clrMapOvr>
+</p:sld>
+</file>
+
 <file path=ppt/slides/slide3.xml><?xml version="1.0" encoding="utf-8"?>
 <p:sld xmlns:a="http://schemas.openxmlformats.org/drawingml/2006/main" xmlns:r="http://schemas.openxmlformats.org/officeDocument/2006/relationships" xmlns:p="http://schemas.openxmlformats.org/presentationml/2006/main">
   <p:cSld>
@@ -8493,6 +9154,1027 @@
     <p:extLst>
       <p:ext uri="{BB962C8B-B14F-4D97-AF65-F5344CB8AC3E}">
         <p14:creationId xmlns:p14="http://schemas.microsoft.com/office/powerpoint/2010/main" val="1274141514"/>
+      </p:ext>
+    </p:extLst>
+  </p:cSld>
+  <p:clrMapOvr>
+    <a:masterClrMapping/>
+  </p:clrMapOvr>
+</p:sld>
+</file>
+
+<file path=ppt/slides/slide30.xml><?xml version="1.0" encoding="utf-8"?>
+<p:sld xmlns:a="http://schemas.openxmlformats.org/drawingml/2006/main" xmlns:r="http://schemas.openxmlformats.org/officeDocument/2006/relationships" xmlns:p="http://schemas.openxmlformats.org/presentationml/2006/main">
+  <p:cSld>
+    <p:spTree>
+      <p:nvGrpSpPr>
+        <p:cNvPr id="1" name=""/>
+        <p:cNvGrpSpPr/>
+        <p:nvPr/>
+      </p:nvGrpSpPr>
+      <p:grpSpPr>
+        <a:xfrm>
+          <a:off x="0" y="0"/>
+          <a:ext cx="0" cy="0"/>
+          <a:chOff x="0" y="0"/>
+          <a:chExt cx="0" cy="0"/>
+        </a:xfrm>
+      </p:grpSpPr>
+      <p:sp>
+        <p:nvSpPr>
+          <p:cNvPr id="2" name="Title 1">
+            <a:extLst>
+              <a:ext uri="{FF2B5EF4-FFF2-40B4-BE49-F238E27FC236}">
+                <a16:creationId xmlns:a16="http://schemas.microsoft.com/office/drawing/2014/main" id="{397F23E8-58EC-8F45-AC80-A15D2C52F259}"/>
+              </a:ext>
+            </a:extLst>
+          </p:cNvPr>
+          <p:cNvSpPr>
+            <a:spLocks noGrp="1"/>
+          </p:cNvSpPr>
+          <p:nvPr>
+            <p:ph type="title"/>
+          </p:nvPr>
+        </p:nvSpPr>
+        <p:spPr/>
+        <p:txBody>
+          <a:bodyPr/>
+          <a:lstStyle/>
+          <a:p>
+            <a:r>
+              <a:rPr lang="en-US" dirty="0"/>
+              <a:t>When to Choose</a:t>
+            </a:r>
+          </a:p>
+        </p:txBody>
+      </p:sp>
+      <p:sp>
+        <p:nvSpPr>
+          <p:cNvPr id="3" name="Content Placeholder 2">
+            <a:extLst>
+              <a:ext uri="{FF2B5EF4-FFF2-40B4-BE49-F238E27FC236}">
+                <a16:creationId xmlns:a16="http://schemas.microsoft.com/office/drawing/2014/main" id="{48D4FCF4-32B4-A65A-75A6-83314B5D4FED}"/>
+              </a:ext>
+            </a:extLst>
+          </p:cNvPr>
+          <p:cNvSpPr>
+            <a:spLocks noGrp="1"/>
+          </p:cNvSpPr>
+          <p:nvPr>
+            <p:ph idx="1"/>
+          </p:nvPr>
+        </p:nvSpPr>
+        <p:spPr/>
+        <p:txBody>
+          <a:bodyPr/>
+          <a:lstStyle/>
+          <a:p>
+            <a:pPr>
+              <a:lnSpc>
+                <a:spcPct val="150000"/>
+              </a:lnSpc>
+            </a:pPr>
+            <a:r>
+              <a:rPr lang="en-IN" sz="2000" b="1" dirty="0"/>
+              <a:t>When to Choose</a:t>
+            </a:r>
+          </a:p>
+          <a:p>
+            <a:pPr lvl="1">
+              <a:lnSpc>
+                <a:spcPct val="150000"/>
+              </a:lnSpc>
+            </a:pPr>
+            <a:r>
+              <a:rPr lang="en-IN" sz="2000" dirty="0"/>
+              <a:t>Flexible Schema for Iterative Development. </a:t>
+            </a:r>
+          </a:p>
+          <a:p>
+            <a:pPr lvl="1">
+              <a:lnSpc>
+                <a:spcPct val="150000"/>
+              </a:lnSpc>
+            </a:pPr>
+            <a:r>
+              <a:rPr lang="en-IN" sz="2000" dirty="0"/>
+              <a:t>Latency sensitive workloads. </a:t>
+            </a:r>
+          </a:p>
+          <a:p>
+            <a:pPr lvl="1">
+              <a:lnSpc>
+                <a:spcPct val="150000"/>
+              </a:lnSpc>
+            </a:pPr>
+            <a:r>
+              <a:rPr lang="en-IN" sz="2000" dirty="0"/>
+              <a:t>High throughput workloads.</a:t>
+            </a:r>
+          </a:p>
+          <a:p>
+            <a:pPr lvl="1">
+              <a:lnSpc>
+                <a:spcPct val="150000"/>
+              </a:lnSpc>
+            </a:pPr>
+            <a:r>
+              <a:rPr lang="en-IN" sz="2000" dirty="0"/>
+              <a:t>Highly available mission critical workloads.</a:t>
+            </a:r>
+          </a:p>
+          <a:p>
+            <a:pPr>
+              <a:lnSpc>
+                <a:spcPct val="150000"/>
+              </a:lnSpc>
+            </a:pPr>
+            <a:r>
+              <a:rPr lang="en-IN" sz="2000" b="1" dirty="0"/>
+              <a:t>When Not to Choose</a:t>
+            </a:r>
+          </a:p>
+          <a:p>
+            <a:pPr lvl="1">
+              <a:lnSpc>
+                <a:spcPct val="150000"/>
+              </a:lnSpc>
+            </a:pPr>
+            <a:r>
+              <a:rPr lang="en-IN" sz="2000" dirty="0"/>
+              <a:t>Analytical workloads (OLAP). </a:t>
+            </a:r>
+          </a:p>
+          <a:p>
+            <a:pPr lvl="1">
+              <a:lnSpc>
+                <a:spcPct val="150000"/>
+              </a:lnSpc>
+            </a:pPr>
+            <a:r>
+              <a:rPr lang="en-IN" sz="2000" dirty="0"/>
+              <a:t>Highly relational apps. </a:t>
+            </a:r>
+          </a:p>
+          <a:p>
+            <a:pPr marL="0" indent="0">
+              <a:buNone/>
+            </a:pPr>
+            <a:br>
+              <a:rPr lang="en-IN" sz="2000" dirty="0"/>
+            </a:br>
+            <a:endParaRPr lang="en-IN" sz="2000" dirty="0"/>
+          </a:p>
+          <a:p>
+            <a:endParaRPr lang="en-US" dirty="0"/>
+          </a:p>
+          <a:p>
+            <a:endParaRPr lang="en-US" dirty="0"/>
+          </a:p>
+        </p:txBody>
+      </p:sp>
+    </p:spTree>
+    <p:extLst>
+      <p:ext uri="{BB962C8B-B14F-4D97-AF65-F5344CB8AC3E}">
+        <p14:creationId xmlns:p14="http://schemas.microsoft.com/office/powerpoint/2010/main" val="1111137346"/>
+      </p:ext>
+    </p:extLst>
+  </p:cSld>
+  <p:clrMapOvr>
+    <a:masterClrMapping/>
+  </p:clrMapOvr>
+</p:sld>
+</file>
+
+<file path=ppt/slides/slide31.xml><?xml version="1.0" encoding="utf-8"?>
+<p:sld xmlns:a="http://schemas.openxmlformats.org/drawingml/2006/main" xmlns:r="http://schemas.openxmlformats.org/officeDocument/2006/relationships" xmlns:p="http://schemas.openxmlformats.org/presentationml/2006/main">
+  <p:cSld>
+    <p:spTree>
+      <p:nvGrpSpPr>
+        <p:cNvPr id="1" name=""/>
+        <p:cNvGrpSpPr/>
+        <p:nvPr/>
+      </p:nvGrpSpPr>
+      <p:grpSpPr>
+        <a:xfrm>
+          <a:off x="0" y="0"/>
+          <a:ext cx="0" cy="0"/>
+          <a:chOff x="0" y="0"/>
+          <a:chExt cx="0" cy="0"/>
+        </a:xfrm>
+      </p:grpSpPr>
+      <p:sp>
+        <p:nvSpPr>
+          <p:cNvPr id="2" name="Title 1">
+            <a:extLst>
+              <a:ext uri="{FF2B5EF4-FFF2-40B4-BE49-F238E27FC236}">
+                <a16:creationId xmlns:a16="http://schemas.microsoft.com/office/drawing/2014/main" id="{EEEADC46-695D-4E2E-8C96-B2ABC3DD4A4F}"/>
+              </a:ext>
+            </a:extLst>
+          </p:cNvPr>
+          <p:cNvSpPr>
+            <a:spLocks noGrp="1"/>
+          </p:cNvSpPr>
+          <p:nvPr>
+            <p:ph type="title"/>
+          </p:nvPr>
+        </p:nvSpPr>
+        <p:spPr/>
+        <p:txBody>
+          <a:bodyPr/>
+          <a:lstStyle/>
+          <a:p>
+            <a:r>
+              <a:rPr lang="en-US" dirty="0"/>
+              <a:t>Multi Model </a:t>
+            </a:r>
+          </a:p>
+        </p:txBody>
+      </p:sp>
+      <p:sp>
+        <p:nvSpPr>
+          <p:cNvPr id="3" name="Content Placeholder 2">
+            <a:extLst>
+              <a:ext uri="{FF2B5EF4-FFF2-40B4-BE49-F238E27FC236}">
+                <a16:creationId xmlns:a16="http://schemas.microsoft.com/office/drawing/2014/main" id="{8308EA7E-570D-48DA-9D57-2E3338336FCE}"/>
+              </a:ext>
+            </a:extLst>
+          </p:cNvPr>
+          <p:cNvSpPr>
+            <a:spLocks noGrp="1"/>
+          </p:cNvSpPr>
+          <p:nvPr>
+            <p:ph idx="1"/>
+          </p:nvPr>
+        </p:nvSpPr>
+        <p:spPr/>
+        <p:txBody>
+          <a:bodyPr/>
+          <a:lstStyle/>
+          <a:p>
+            <a:r>
+              <a:rPr lang="en-IN" sz="1800" b="1" kern="1200" dirty="0"/>
+              <a:t>MongoDB API</a:t>
+            </a:r>
+            <a:r>
+              <a:rPr lang="en-IN" sz="1800" kern="1200" dirty="0"/>
+              <a:t>: </a:t>
+            </a:r>
+          </a:p>
+          <a:p>
+            <a:pPr lvl="1"/>
+            <a:r>
+              <a:rPr lang="en-IN" sz="1800" kern="1200" dirty="0"/>
+              <a:t>Cosmos DB implements the MongoDB wire protocol, which allows existing MongoDB client drivers and tools (like Studio 3T) to connect to Cosmos DB seamlessly, as if it were a native MongoDB instance.</a:t>
+            </a:r>
+          </a:p>
+          <a:p>
+            <a:r>
+              <a:rPr lang="en-IN" sz="1800" b="1" kern="1200" dirty="0"/>
+              <a:t>Cassandra API</a:t>
+            </a:r>
+            <a:r>
+              <a:rPr lang="en-IN" sz="1800" kern="1200" dirty="0"/>
+              <a:t>: </a:t>
+            </a:r>
+          </a:p>
+          <a:p>
+            <a:pPr lvl="1"/>
+            <a:r>
+              <a:rPr lang="en-IN" sz="1800" kern="1200" dirty="0"/>
+              <a:t>This API supports the Cassandra Query Language (CQL) and Cassandra's drivers, allowing existing Apache Cassandra applications to interact with Cosmos DB as a backend.</a:t>
+            </a:r>
+          </a:p>
+          <a:p>
+            <a:r>
+              <a:rPr lang="en-IN" sz="1800" b="1" kern="1200" dirty="0"/>
+              <a:t>Gremlin API</a:t>
+            </a:r>
+            <a:r>
+              <a:rPr lang="en-IN" sz="1800" kern="1200" dirty="0"/>
+              <a:t>: </a:t>
+            </a:r>
+          </a:p>
+          <a:p>
+            <a:pPr lvl="1"/>
+            <a:r>
+              <a:rPr lang="en-IN" sz="1800" kern="1200" dirty="0"/>
+              <a:t>Cosmos DB provides a graph database service using the Gremlin query language from the Apache </a:t>
+            </a:r>
+            <a:r>
+              <a:rPr lang="en-IN" sz="1800" kern="1200" dirty="0" err="1"/>
+              <a:t>TinkerPop</a:t>
+            </a:r>
+            <a:r>
+              <a:rPr lang="en-IN" sz="1800" kern="1200" dirty="0"/>
+              <a:t> framework, enabling integration with applications that use graph models.</a:t>
+            </a:r>
+          </a:p>
+          <a:p>
+            <a:r>
+              <a:rPr lang="en-IN" sz="1800" b="1" kern="1200" dirty="0"/>
+              <a:t>PostgreSQL API</a:t>
+            </a:r>
+            <a:r>
+              <a:rPr lang="en-IN" sz="1800" kern="1200" dirty="0"/>
+              <a:t>: </a:t>
+            </a:r>
+          </a:p>
+          <a:p>
+            <a:pPr lvl="1"/>
+            <a:r>
+              <a:rPr lang="en-IN" sz="1800" kern="1200" dirty="0"/>
+              <a:t>Cosmos DB for PostgreSQL is a managed service based on the </a:t>
+            </a:r>
+            <a:r>
+              <a:rPr lang="en-IN" sz="1800" kern="1200" dirty="0" err="1"/>
+              <a:t>Citus</a:t>
+            </a:r>
+            <a:r>
+              <a:rPr lang="en-IN" sz="1800" kern="1200" dirty="0"/>
+              <a:t> extension, allowing for distributed relational database workloads. </a:t>
+            </a:r>
+            <a:br>
+              <a:rPr lang="en-IN" sz="1800" kern="1200" dirty="0"/>
+            </a:br>
+            <a:endParaRPr lang="en-IN" sz="1800" kern="1200" dirty="0"/>
+          </a:p>
+          <a:p>
+            <a:endParaRPr lang="en-US" sz="1800" dirty="0"/>
+          </a:p>
+          <a:p>
+            <a:endParaRPr lang="en-US" sz="1800" dirty="0"/>
+          </a:p>
+          <a:p>
+            <a:endParaRPr lang="en-US" sz="1800" dirty="0"/>
+          </a:p>
+        </p:txBody>
+      </p:sp>
+    </p:spTree>
+    <p:extLst>
+      <p:ext uri="{BB962C8B-B14F-4D97-AF65-F5344CB8AC3E}">
+        <p14:creationId xmlns:p14="http://schemas.microsoft.com/office/powerpoint/2010/main" val="2244423436"/>
+      </p:ext>
+    </p:extLst>
+  </p:cSld>
+  <p:clrMapOvr>
+    <a:masterClrMapping/>
+  </p:clrMapOvr>
+</p:sld>
+</file>
+
+<file path=ppt/slides/slide32.xml><?xml version="1.0" encoding="utf-8"?>
+<p:sld xmlns:a="http://schemas.openxmlformats.org/drawingml/2006/main" xmlns:r="http://schemas.openxmlformats.org/officeDocument/2006/relationships" xmlns:p="http://schemas.openxmlformats.org/presentationml/2006/main">
+  <p:cSld>
+    <p:spTree>
+      <p:nvGrpSpPr>
+        <p:cNvPr id="1" name=""/>
+        <p:cNvGrpSpPr/>
+        <p:nvPr/>
+      </p:nvGrpSpPr>
+      <p:grpSpPr>
+        <a:xfrm>
+          <a:off x="0" y="0"/>
+          <a:ext cx="0" cy="0"/>
+          <a:chOff x="0" y="0"/>
+          <a:chExt cx="0" cy="0"/>
+        </a:xfrm>
+      </p:grpSpPr>
+      <p:sp>
+        <p:nvSpPr>
+          <p:cNvPr id="2" name="Title 1">
+            <a:extLst>
+              <a:ext uri="{FF2B5EF4-FFF2-40B4-BE49-F238E27FC236}">
+                <a16:creationId xmlns:a16="http://schemas.microsoft.com/office/drawing/2014/main" id="{612DA2D5-D57A-63F9-062B-A0CDECB47B0A}"/>
+              </a:ext>
+            </a:extLst>
+          </p:cNvPr>
+          <p:cNvSpPr>
+            <a:spLocks noGrp="1"/>
+          </p:cNvSpPr>
+          <p:nvPr>
+            <p:ph type="title"/>
+          </p:nvPr>
+        </p:nvSpPr>
+        <p:spPr/>
+        <p:txBody>
+          <a:bodyPr/>
+          <a:lstStyle/>
+          <a:p>
+            <a:r>
+              <a:rPr lang="en-US" dirty="0"/>
+              <a:t>Migration Plans</a:t>
+            </a:r>
+          </a:p>
+        </p:txBody>
+      </p:sp>
+      <p:sp>
+        <p:nvSpPr>
+          <p:cNvPr id="3" name="Content Placeholder 2">
+            <a:extLst>
+              <a:ext uri="{FF2B5EF4-FFF2-40B4-BE49-F238E27FC236}">
+                <a16:creationId xmlns:a16="http://schemas.microsoft.com/office/drawing/2014/main" id="{CC1DF4ED-E7B6-06CC-1FC9-904B4A7D5527}"/>
+              </a:ext>
+            </a:extLst>
+          </p:cNvPr>
+          <p:cNvSpPr>
+            <a:spLocks noGrp="1"/>
+          </p:cNvSpPr>
+          <p:nvPr>
+            <p:ph idx="1"/>
+          </p:nvPr>
+        </p:nvSpPr>
+        <p:spPr/>
+        <p:txBody>
+          <a:bodyPr/>
+          <a:lstStyle/>
+          <a:p>
+            <a:r>
+              <a:rPr lang="en-IN" sz="1800" kern="1200" dirty="0"/>
+              <a:t>Has structured process for moving data from a source system into Azure Cosmos DB, or between different configurations within Cosmos DB itself. </a:t>
+            </a:r>
+          </a:p>
+          <a:p>
+            <a:endParaRPr lang="en-IN" sz="1800" kern="1200" dirty="0"/>
+          </a:p>
+          <a:p>
+            <a:r>
+              <a:rPr lang="en-IN" sz="1800" kern="1200" dirty="0"/>
+              <a:t>Done using specific Microsoft-provided </a:t>
+            </a:r>
+            <a:r>
+              <a:rPr lang="en-IN" sz="1800" b="1" kern="1200" dirty="0"/>
+              <a:t>tools and services</a:t>
+            </a:r>
+            <a:r>
+              <a:rPr lang="en-IN" sz="1800" kern="1200" dirty="0"/>
+              <a:t>, such as the Azure Cosmos DB Data Migration Tool or Azure Database Migration Service (DMS)</a:t>
+            </a:r>
+          </a:p>
+          <a:p>
+            <a:endParaRPr lang="en-US" sz="1800" dirty="0"/>
+          </a:p>
+          <a:p>
+            <a:endParaRPr lang="en-US" dirty="0"/>
+          </a:p>
+        </p:txBody>
+      </p:sp>
+    </p:spTree>
+    <p:extLst>
+      <p:ext uri="{BB962C8B-B14F-4D97-AF65-F5344CB8AC3E}">
+        <p14:creationId xmlns:p14="http://schemas.microsoft.com/office/powerpoint/2010/main" val="507104568"/>
+      </p:ext>
+    </p:extLst>
+  </p:cSld>
+  <p:clrMapOvr>
+    <a:masterClrMapping/>
+  </p:clrMapOvr>
+</p:sld>
+</file>
+
+<file path=ppt/slides/slide33.xml><?xml version="1.0" encoding="utf-8"?>
+<p:sld xmlns:a="http://schemas.openxmlformats.org/drawingml/2006/main" xmlns:r="http://schemas.openxmlformats.org/officeDocument/2006/relationships" xmlns:p="http://schemas.openxmlformats.org/presentationml/2006/main">
+  <p:cSld>
+    <p:spTree>
+      <p:nvGrpSpPr>
+        <p:cNvPr id="1" name=""/>
+        <p:cNvGrpSpPr/>
+        <p:nvPr/>
+      </p:nvGrpSpPr>
+      <p:grpSpPr>
+        <a:xfrm>
+          <a:off x="0" y="0"/>
+          <a:ext cx="0" cy="0"/>
+          <a:chOff x="0" y="0"/>
+          <a:chExt cx="0" cy="0"/>
+        </a:xfrm>
+      </p:grpSpPr>
+      <p:sp>
+        <p:nvSpPr>
+          <p:cNvPr id="2" name="Title 1">
+            <a:extLst>
+              <a:ext uri="{FF2B5EF4-FFF2-40B4-BE49-F238E27FC236}">
+                <a16:creationId xmlns:a16="http://schemas.microsoft.com/office/drawing/2014/main" id="{507B6824-738C-30E8-63C7-406AA9A06D14}"/>
+              </a:ext>
+            </a:extLst>
+          </p:cNvPr>
+          <p:cNvSpPr>
+            <a:spLocks noGrp="1"/>
+          </p:cNvSpPr>
+          <p:nvPr>
+            <p:ph type="title"/>
+          </p:nvPr>
+        </p:nvSpPr>
+        <p:spPr/>
+        <p:txBody>
+          <a:bodyPr/>
+          <a:lstStyle/>
+          <a:p>
+            <a:r>
+              <a:rPr lang="en-US" dirty="0"/>
+              <a:t>Migration Plans</a:t>
+            </a:r>
+          </a:p>
+        </p:txBody>
+      </p:sp>
+      <p:sp>
+        <p:nvSpPr>
+          <p:cNvPr id="3" name="Content Placeholder 2">
+            <a:extLst>
+              <a:ext uri="{FF2B5EF4-FFF2-40B4-BE49-F238E27FC236}">
+                <a16:creationId xmlns:a16="http://schemas.microsoft.com/office/drawing/2014/main" id="{291D552D-0236-A412-5FC1-2D9BF83D02F3}"/>
+              </a:ext>
+            </a:extLst>
+          </p:cNvPr>
+          <p:cNvSpPr>
+            <a:spLocks noGrp="1"/>
+          </p:cNvSpPr>
+          <p:nvPr>
+            <p:ph idx="1"/>
+          </p:nvPr>
+        </p:nvSpPr>
+        <p:spPr/>
+        <p:txBody>
+          <a:bodyPr/>
+          <a:lstStyle/>
+          <a:p>
+            <a:r>
+              <a:rPr lang="en-IN" sz="1800" kern="1200" dirty="0">
+                <a:latin typeface="Arial" panose="020B0604020202020204" pitchFamily="34" charset="0"/>
+                <a:cs typeface="Arial" panose="020B0604020202020204" pitchFamily="34" charset="0"/>
+              </a:rPr>
+              <a:t>Assessment and Discovery</a:t>
+            </a:r>
+          </a:p>
+          <a:p>
+            <a:r>
+              <a:rPr lang="en-IN" sz="1800" kern="1200" dirty="0">
+                <a:latin typeface="Arial" panose="020B0604020202020204" pitchFamily="34" charset="0"/>
+                <a:cs typeface="Arial" panose="020B0604020202020204" pitchFamily="34" charset="0"/>
+              </a:rPr>
+              <a:t>Data </a:t>
+            </a:r>
+            <a:r>
+              <a:rPr lang="en-IN" sz="1800" kern="1200" dirty="0" err="1">
+                <a:latin typeface="Arial" panose="020B0604020202020204" pitchFamily="34" charset="0"/>
+                <a:cs typeface="Arial" panose="020B0604020202020204" pitchFamily="34" charset="0"/>
+              </a:rPr>
+              <a:t>Modeling</a:t>
+            </a:r>
+            <a:r>
+              <a:rPr lang="en-IN" sz="1800" kern="1200" dirty="0">
+                <a:latin typeface="Arial" panose="020B0604020202020204" pitchFamily="34" charset="0"/>
+                <a:cs typeface="Arial" panose="020B0604020202020204" pitchFamily="34" charset="0"/>
+              </a:rPr>
+              <a:t> and Partitioning</a:t>
+            </a:r>
+          </a:p>
+          <a:p>
+            <a:r>
+              <a:rPr lang="en-IN" sz="1800" kern="1200" dirty="0">
+                <a:latin typeface="Arial" panose="020B0604020202020204" pitchFamily="34" charset="0"/>
+                <a:cs typeface="Arial" panose="020B0604020202020204" pitchFamily="34" charset="0"/>
+              </a:rPr>
+              <a:t>Capacity Planning</a:t>
+            </a:r>
+          </a:p>
+          <a:p>
+            <a:r>
+              <a:rPr lang="en-IN" sz="1800" kern="1200" dirty="0">
+                <a:latin typeface="Arial" panose="020B0604020202020204" pitchFamily="34" charset="0"/>
+                <a:cs typeface="Arial" panose="020B0604020202020204" pitchFamily="34" charset="0"/>
+              </a:rPr>
+              <a:t>Tool Selection and Logistics</a:t>
+            </a:r>
+          </a:p>
+          <a:p>
+            <a:r>
+              <a:rPr lang="en-IN" sz="1800" kern="1200" dirty="0">
+                <a:latin typeface="Arial" panose="020B0604020202020204" pitchFamily="34" charset="0"/>
+                <a:cs typeface="Arial" panose="020B0604020202020204" pitchFamily="34" charset="0"/>
+              </a:rPr>
+              <a:t>Backup Data</a:t>
+            </a:r>
+          </a:p>
+          <a:p>
+            <a:r>
+              <a:rPr lang="en-IN" sz="1800" kern="1200" dirty="0">
+                <a:latin typeface="Arial" panose="020B0604020202020204" pitchFamily="34" charset="0"/>
+                <a:cs typeface="Arial" panose="020B0604020202020204" pitchFamily="34" charset="0"/>
+              </a:rPr>
+              <a:t>Data Transformation:</a:t>
+            </a:r>
+          </a:p>
+          <a:p>
+            <a:r>
+              <a:rPr lang="en-IN" sz="1800" kern="1200" dirty="0">
+                <a:latin typeface="Arial" panose="020B0604020202020204" pitchFamily="34" charset="0"/>
+                <a:cs typeface="Arial" panose="020B0604020202020204" pitchFamily="34" charset="0"/>
+              </a:rPr>
+              <a:t>Data Loading: </a:t>
+            </a:r>
+          </a:p>
+          <a:p>
+            <a:r>
+              <a:rPr lang="en-IN" sz="1800" kern="1200" dirty="0">
+                <a:latin typeface="Arial" panose="020B0604020202020204" pitchFamily="34" charset="0"/>
+                <a:cs typeface="Arial" panose="020B0604020202020204" pitchFamily="34" charset="0"/>
+              </a:rPr>
+              <a:t>Monitoring</a:t>
+            </a:r>
+          </a:p>
+          <a:p>
+            <a:endParaRPr lang="en-IN" sz="1800" kern="1200" dirty="0">
+              <a:latin typeface="Arial" panose="020B0604020202020204" pitchFamily="34" charset="0"/>
+              <a:cs typeface="Arial" panose="020B0604020202020204" pitchFamily="34" charset="0"/>
+            </a:endParaRPr>
+          </a:p>
+          <a:p>
+            <a:r>
+              <a:rPr lang="en-IN" sz="1800" kern="1200" dirty="0">
+                <a:latin typeface="Arial" panose="020B0604020202020204" pitchFamily="34" charset="0"/>
+                <a:cs typeface="Arial" panose="020B0604020202020204" pitchFamily="34" charset="0"/>
+              </a:rPr>
+              <a:t>Online vs. Offline:</a:t>
+            </a:r>
+          </a:p>
+          <a:p>
+            <a:pPr lvl="1"/>
+            <a:r>
+              <a:rPr lang="en-IN" sz="1800" kern="1200" dirty="0">
+                <a:latin typeface="Arial" panose="020B0604020202020204" pitchFamily="34" charset="0"/>
+                <a:cs typeface="Arial" panose="020B0604020202020204" pitchFamily="34" charset="0"/>
+              </a:rPr>
+              <a:t>Offline migration involves application downtime, as a static copy of the data is moved.</a:t>
+            </a:r>
+          </a:p>
+          <a:p>
+            <a:pPr lvl="1"/>
+            <a:r>
+              <a:rPr lang="en-IN" sz="1800" kern="1200" dirty="0">
+                <a:latin typeface="Arial" panose="020B0604020202020204" pitchFamily="34" charset="0"/>
+                <a:cs typeface="Arial" panose="020B0604020202020204" pitchFamily="34" charset="0"/>
+              </a:rPr>
+              <a:t>Online migration (often using Change Data Capture or CDC) allows source and target databases to stay in sync with minimal downtime, which is ideal for production workloads. </a:t>
+            </a:r>
+          </a:p>
+          <a:p>
+            <a:endParaRPr lang="en-IN" sz="1800" b="1" kern="1200" dirty="0">
+              <a:latin typeface="Times New Roman" pitchFamily="18" charset="0"/>
+            </a:endParaRPr>
+          </a:p>
+        </p:txBody>
+      </p:sp>
+    </p:spTree>
+    <p:extLst>
+      <p:ext uri="{BB962C8B-B14F-4D97-AF65-F5344CB8AC3E}">
+        <p14:creationId xmlns:p14="http://schemas.microsoft.com/office/powerpoint/2010/main" val="2503401361"/>
+      </p:ext>
+    </p:extLst>
+  </p:cSld>
+  <p:clrMapOvr>
+    <a:masterClrMapping/>
+  </p:clrMapOvr>
+</p:sld>
+</file>
+
+<file path=ppt/slides/slide34.xml><?xml version="1.0" encoding="utf-8"?>
+<p:sld xmlns:a="http://schemas.openxmlformats.org/drawingml/2006/main" xmlns:r="http://schemas.openxmlformats.org/officeDocument/2006/relationships" xmlns:p="http://schemas.openxmlformats.org/presentationml/2006/main">
+  <p:cSld>
+    <p:spTree>
+      <p:nvGrpSpPr>
+        <p:cNvPr id="1" name=""/>
+        <p:cNvGrpSpPr/>
+        <p:nvPr/>
+      </p:nvGrpSpPr>
+      <p:grpSpPr>
+        <a:xfrm>
+          <a:off x="0" y="0"/>
+          <a:ext cx="0" cy="0"/>
+          <a:chOff x="0" y="0"/>
+          <a:chExt cx="0" cy="0"/>
+        </a:xfrm>
+      </p:grpSpPr>
+      <p:sp>
+        <p:nvSpPr>
+          <p:cNvPr id="2" name="Title 1">
+            <a:extLst>
+              <a:ext uri="{FF2B5EF4-FFF2-40B4-BE49-F238E27FC236}">
+                <a16:creationId xmlns:a16="http://schemas.microsoft.com/office/drawing/2014/main" id="{8AB66AD8-68F4-4A57-0576-9420673CF522}"/>
+              </a:ext>
+            </a:extLst>
+          </p:cNvPr>
+          <p:cNvSpPr>
+            <a:spLocks noGrp="1"/>
+          </p:cNvSpPr>
+          <p:nvPr>
+            <p:ph type="title"/>
+          </p:nvPr>
+        </p:nvSpPr>
+        <p:spPr>
+          <a:xfrm>
+            <a:off x="457200" y="152401"/>
+            <a:ext cx="8229600" cy="579436"/>
+          </a:xfrm>
+        </p:spPr>
+        <p:txBody>
+          <a:bodyPr/>
+          <a:lstStyle/>
+          <a:p>
+            <a:r>
+              <a:rPr lang="en-US" dirty="0"/>
+              <a:t>Demo</a:t>
+            </a:r>
+          </a:p>
+        </p:txBody>
+      </p:sp>
+      <p:sp>
+        <p:nvSpPr>
+          <p:cNvPr id="3" name="Content Placeholder 2">
+            <a:extLst>
+              <a:ext uri="{FF2B5EF4-FFF2-40B4-BE49-F238E27FC236}">
+                <a16:creationId xmlns:a16="http://schemas.microsoft.com/office/drawing/2014/main" id="{3D87DCCB-D301-7E62-08E5-15D6CBB8381A}"/>
+              </a:ext>
+            </a:extLst>
+          </p:cNvPr>
+          <p:cNvSpPr>
+            <a:spLocks noGrp="1"/>
+          </p:cNvSpPr>
+          <p:nvPr>
+            <p:ph idx="1"/>
+          </p:nvPr>
+        </p:nvSpPr>
+        <p:spPr>
+          <a:xfrm>
+            <a:off x="457200" y="731836"/>
+            <a:ext cx="8229600" cy="5394327"/>
+          </a:xfrm>
+        </p:spPr>
+        <p:txBody>
+          <a:bodyPr/>
+          <a:lstStyle/>
+          <a:p>
+            <a:pPr marL="457200" lvl="1" indent="0">
+              <a:buNone/>
+            </a:pPr>
+            <a:r>
+              <a:rPr lang="en-IN" sz="2000" b="1" dirty="0"/>
+              <a:t>public</a:t>
+            </a:r>
+            <a:r>
+              <a:rPr lang="en-IN" sz="2000" dirty="0"/>
+              <a:t> </a:t>
+            </a:r>
+            <a:r>
+              <a:rPr lang="en-IN" sz="2000" b="1" dirty="0"/>
+              <a:t>interface</a:t>
+            </a:r>
+            <a:r>
+              <a:rPr lang="en-IN" sz="2000" dirty="0"/>
+              <a:t> </a:t>
+            </a:r>
+            <a:r>
+              <a:rPr lang="en-IN" sz="2000" dirty="0" err="1"/>
+              <a:t>ReviewRepository</a:t>
+            </a:r>
+            <a:r>
+              <a:rPr lang="en-IN" sz="2000" dirty="0"/>
+              <a:t> </a:t>
+            </a:r>
+            <a:r>
+              <a:rPr lang="en-IN" sz="2000" b="1" dirty="0"/>
+              <a:t>extends </a:t>
+            </a:r>
+            <a:r>
+              <a:rPr lang="en-IN" sz="2000" dirty="0" err="1"/>
+              <a:t>MongoRepository</a:t>
+            </a:r>
+            <a:r>
+              <a:rPr lang="en-IN" sz="2000" dirty="0"/>
+              <a:t>&lt;Review, String&gt; { }</a:t>
+            </a:r>
+          </a:p>
+          <a:p>
+            <a:pPr marL="457200" lvl="1" indent="0">
+              <a:buNone/>
+            </a:pPr>
+            <a:endParaRPr lang="en-IN" sz="2000" b="1" dirty="0"/>
+          </a:p>
+          <a:p>
+            <a:pPr marL="457200" lvl="1" indent="0">
+              <a:buNone/>
+            </a:pPr>
+            <a:r>
+              <a:rPr lang="en-IN" sz="2000" b="1" dirty="0"/>
+              <a:t>import</a:t>
+            </a:r>
+            <a:r>
+              <a:rPr lang="en-IN" sz="2000" dirty="0"/>
+              <a:t> </a:t>
+            </a:r>
+            <a:r>
+              <a:rPr lang="en-IN" sz="2000" u="sng" dirty="0" err="1"/>
+              <a:t>org.springframework.data.annotation.Id</a:t>
+            </a:r>
+            <a:r>
+              <a:rPr lang="en-IN" sz="2000" dirty="0"/>
+              <a:t>;</a:t>
+            </a:r>
+          </a:p>
+          <a:p>
+            <a:pPr marL="457200" lvl="1" indent="0">
+              <a:buNone/>
+            </a:pPr>
+            <a:r>
+              <a:rPr lang="en-IN" sz="2000" dirty="0"/>
+              <a:t>@Document("reviews")</a:t>
+            </a:r>
+          </a:p>
+          <a:p>
+            <a:pPr marL="457200" lvl="1" indent="0">
+              <a:buNone/>
+            </a:pPr>
+            <a:r>
+              <a:rPr lang="en-IN" sz="2000" b="1" dirty="0"/>
+              <a:t>public</a:t>
+            </a:r>
+            <a:r>
+              <a:rPr lang="en-IN" sz="2000" dirty="0"/>
+              <a:t> </a:t>
+            </a:r>
+            <a:r>
+              <a:rPr lang="en-IN" sz="2000" b="1" dirty="0"/>
+              <a:t>class</a:t>
+            </a:r>
+            <a:r>
+              <a:rPr lang="en-IN" sz="2000" dirty="0"/>
+              <a:t> Review {</a:t>
+            </a:r>
+          </a:p>
+          <a:p>
+            <a:pPr marL="457200" lvl="1" indent="0">
+              <a:buNone/>
+            </a:pPr>
+            <a:endParaRPr lang="en-IN" sz="2000" dirty="0"/>
+          </a:p>
+          <a:p>
+            <a:pPr marL="457200" lvl="1" indent="0">
+              <a:buNone/>
+            </a:pPr>
+            <a:r>
+              <a:rPr lang="en-IN" sz="2000" dirty="0"/>
+              <a:t>@Id</a:t>
+            </a:r>
+          </a:p>
+          <a:p>
+            <a:pPr marL="457200" lvl="1" indent="0">
+              <a:buNone/>
+            </a:pPr>
+            <a:r>
+              <a:rPr lang="en-IN" sz="2000" b="1" dirty="0"/>
+              <a:t>private</a:t>
+            </a:r>
+            <a:r>
+              <a:rPr lang="en-IN" sz="2000" dirty="0"/>
+              <a:t> String id;</a:t>
+            </a:r>
+          </a:p>
+          <a:p>
+            <a:pPr marL="457200" lvl="1" indent="0">
+              <a:buNone/>
+            </a:pPr>
+            <a:r>
+              <a:rPr lang="en-IN" sz="2000" b="1" dirty="0"/>
+              <a:t>private</a:t>
+            </a:r>
+            <a:r>
+              <a:rPr lang="en-IN" sz="2000" dirty="0"/>
+              <a:t> String </a:t>
+            </a:r>
+            <a:r>
+              <a:rPr lang="en-IN" sz="2000" dirty="0" err="1"/>
+              <a:t>hotelName</a:t>
+            </a:r>
+            <a:r>
+              <a:rPr lang="en-IN" sz="2000" dirty="0"/>
+              <a:t>;</a:t>
+            </a:r>
+          </a:p>
+          <a:p>
+            <a:pPr marL="457200" lvl="1" indent="0">
+              <a:buNone/>
+            </a:pPr>
+            <a:r>
+              <a:rPr lang="en-IN" sz="2000" b="1" dirty="0"/>
+              <a:t>private</a:t>
+            </a:r>
+            <a:r>
+              <a:rPr lang="en-IN" sz="2000" dirty="0"/>
+              <a:t> </a:t>
+            </a:r>
+            <a:r>
+              <a:rPr lang="en-IN" sz="2000" b="1" dirty="0"/>
+              <a:t>double</a:t>
+            </a:r>
+            <a:r>
+              <a:rPr lang="en-IN" sz="2000" dirty="0"/>
+              <a:t> rating;</a:t>
+            </a:r>
+          </a:p>
+          <a:p>
+            <a:pPr marL="457200" lvl="1" indent="0">
+              <a:buNone/>
+            </a:pPr>
+            <a:r>
+              <a:rPr lang="en-IN" sz="2000" dirty="0"/>
+              <a:t>}</a:t>
+            </a:r>
+          </a:p>
+          <a:p>
+            <a:pPr lvl="1"/>
+            <a:endParaRPr lang="en-US" sz="400" dirty="0"/>
+          </a:p>
+          <a:p>
+            <a:pPr marL="400050" lvl="1" indent="0">
+              <a:buNone/>
+            </a:pPr>
+            <a:r>
+              <a:rPr lang="en-IN" sz="1800" u="sng" dirty="0" err="1">
+                <a:solidFill>
+                  <a:srgbClr val="C00000"/>
+                </a:solidFill>
+              </a:rPr>
+              <a:t>spring.mongodb.uri</a:t>
+            </a:r>
+            <a:r>
+              <a:rPr lang="en-IN" sz="1800" dirty="0">
+                <a:solidFill>
+                  <a:srgbClr val="C00000"/>
+                </a:solidFill>
+              </a:rPr>
+              <a:t>=${</a:t>
+            </a:r>
+            <a:r>
+              <a:rPr lang="en-IN" sz="1800" dirty="0" err="1">
+                <a:solidFill>
+                  <a:srgbClr val="C00000"/>
+                </a:solidFill>
+              </a:rPr>
+              <a:t>url</a:t>
+            </a:r>
+            <a:r>
+              <a:rPr lang="en-IN" sz="1800" dirty="0">
+                <a:solidFill>
+                  <a:srgbClr val="C00000"/>
+                </a:solidFill>
+              </a:rPr>
+              <a:t>}</a:t>
+            </a:r>
+          </a:p>
+          <a:p>
+            <a:pPr marL="400050" lvl="1" indent="0">
+              <a:buNone/>
+            </a:pPr>
+            <a:r>
+              <a:rPr lang="en-IN" sz="1800" u="sng" dirty="0" err="1">
+                <a:solidFill>
+                  <a:srgbClr val="C00000"/>
+                </a:solidFill>
+              </a:rPr>
+              <a:t>spring.mongodb.database</a:t>
+            </a:r>
+            <a:r>
+              <a:rPr lang="en-IN" sz="1800" dirty="0">
+                <a:solidFill>
+                  <a:srgbClr val="C00000"/>
+                </a:solidFill>
+              </a:rPr>
+              <a:t>=</a:t>
+            </a:r>
+            <a:r>
+              <a:rPr lang="en-IN" sz="1800" dirty="0" err="1">
+                <a:solidFill>
+                  <a:srgbClr val="C00000"/>
+                </a:solidFill>
+              </a:rPr>
+              <a:t>hoteldb</a:t>
+            </a:r>
+            <a:endParaRPr lang="en-IN" sz="1800" dirty="0">
+              <a:solidFill>
+                <a:srgbClr val="C00000"/>
+              </a:solidFill>
+            </a:endParaRPr>
+          </a:p>
+          <a:p>
+            <a:pPr lvl="1"/>
+            <a:endParaRPr lang="en-US" sz="400" dirty="0"/>
+          </a:p>
+        </p:txBody>
+      </p:sp>
+    </p:spTree>
+    <p:extLst>
+      <p:ext uri="{BB962C8B-B14F-4D97-AF65-F5344CB8AC3E}">
+        <p14:creationId xmlns:p14="http://schemas.microsoft.com/office/powerpoint/2010/main" val="3569967414"/>
       </p:ext>
     </p:extLst>
   </p:cSld>
